--- a/HUST-Theme-PPT/v1扁平4-3.pptx
+++ b/HUST-Theme-PPT/v1扁平4-3.pptx
@@ -205,7 +205,7 @@
           <a:p>
             <a:fld id="{BDA51940-DB52-3B48-AABB-9C7938529E4E}" type="datetimeFigureOut">
               <a:rPr kumimoji="1" lang="zh-CN" altLang="en-US" smtClean="0"/>
-              <a:t>2026/1/5</a:t>
+              <a:t>2026/1/18</a:t>
             </a:fld>
             <a:endParaRPr kumimoji="1" lang="zh-CN" altLang="en-US"/>
           </a:p>
@@ -1031,7 +1031,7 @@
                   <a:solidFill/>
                 </a:defRPr>
               </a:pPr>
-              <a:t>2026/1/5</a:t>
+              <a:t>2026/1/18</a:t>
             </a:fld>
             <a:endParaRPr kumimoji="1" lang="zh-CN" altLang="en-US" dirty="0"/>
           </a:p>
@@ -1425,7 +1425,7 @@
             </a:pPr>
             <a:fld id="{E4551058-E5DB-324A-A8E9-6D3BEF243C3B}" type="datetimeFigureOut">
               <a:rPr kumimoji="1" lang="zh-CN" altLang="en-US" smtClean="0"/>
-              <a:t>2026/1/5</a:t>
+              <a:t>2026/1/18</a:t>
             </a:fld>
             <a:endParaRPr kumimoji="1" lang="zh-CN" altLang="en-US"/>
           </a:p>
@@ -1670,7 +1670,7 @@
             </a:pPr>
             <a:fld id="{E4551058-E5DB-324A-A8E9-6D3BEF243C3B}" type="datetimeFigureOut">
               <a:rPr kumimoji="1" lang="zh-CN" altLang="en-US" smtClean="0"/>
-              <a:t>2026/1/5</a:t>
+              <a:t>2026/1/18</a:t>
             </a:fld>
             <a:endParaRPr kumimoji="1" lang="zh-CN" altLang="en-US"/>
           </a:p>
@@ -2074,7 +2074,7 @@
             </a:pPr>
             <a:fld id="{E4551058-E5DB-324A-A8E9-6D3BEF243C3B}" type="datetimeFigureOut">
               <a:rPr kumimoji="1" lang="zh-CN" altLang="en-US" smtClean="0"/>
-              <a:t>2026/1/5</a:t>
+              <a:t>2026/1/18</a:t>
             </a:fld>
             <a:endParaRPr kumimoji="1" lang="zh-CN" altLang="en-US"/>
           </a:p>
@@ -2349,7 +2349,7 @@
             </a:pPr>
             <a:fld id="{E4551058-E5DB-324A-A8E9-6D3BEF243C3B}" type="datetimeFigureOut">
               <a:rPr kumimoji="1" lang="zh-CN" altLang="en-US" smtClean="0"/>
-              <a:t>2026/1/5</a:t>
+              <a:t>2026/1/18</a:t>
             </a:fld>
             <a:endParaRPr kumimoji="1" lang="zh-CN" altLang="en-US"/>
           </a:p>
@@ -2613,7 +2613,7 @@
             </a:pPr>
             <a:fld id="{E4551058-E5DB-324A-A8E9-6D3BEF243C3B}" type="datetimeFigureOut">
               <a:rPr kumimoji="1" lang="zh-CN" altLang="en-US" smtClean="0"/>
-              <a:t>2026/1/5</a:t>
+              <a:t>2026/1/18</a:t>
             </a:fld>
             <a:endParaRPr kumimoji="1" lang="zh-CN" altLang="en-US"/>
           </a:p>
@@ -3214,7 +3214,7 @@
             </a:pPr>
             <a:fld id="{E4551058-E5DB-324A-A8E9-6D3BEF243C3B}" type="datetimeFigureOut">
               <a:rPr kumimoji="1" lang="zh-CN" altLang="en-US" smtClean="0"/>
-              <a:t>2026/1/5</a:t>
+              <a:t>2026/1/18</a:t>
             </a:fld>
             <a:endParaRPr kumimoji="1" lang="zh-CN" altLang="en-US"/>
           </a:p>
@@ -3546,7 +3546,7 @@
             </a:pPr>
             <a:fld id="{E4551058-E5DB-324A-A8E9-6D3BEF243C3B}" type="datetimeFigureOut">
               <a:rPr kumimoji="1" lang="zh-CN" altLang="en-US" smtClean="0"/>
-              <a:t>2026/1/5</a:t>
+              <a:t>2026/1/18</a:t>
             </a:fld>
             <a:endParaRPr kumimoji="1" lang="zh-CN" altLang="en-US"/>
           </a:p>
@@ -4119,7 +4119,7 @@
             </a:pPr>
             <a:fld id="{E4551058-E5DB-324A-A8E9-6D3BEF243C3B}" type="datetimeFigureOut">
               <a:rPr kumimoji="1" lang="zh-CN" altLang="en-US" smtClean="0"/>
-              <a:t>2026/1/5</a:t>
+              <a:t>2026/1/18</a:t>
             </a:fld>
             <a:endParaRPr kumimoji="1" lang="zh-CN" altLang="en-US"/>
           </a:p>
@@ -4286,7 +4286,7 @@
             </a:pPr>
             <a:fld id="{E4551058-E5DB-324A-A8E9-6D3BEF243C3B}" type="datetimeFigureOut">
               <a:rPr kumimoji="1" lang="zh-CN" altLang="en-US" smtClean="0"/>
-              <a:t>2026/1/5</a:t>
+              <a:t>2026/1/18</a:t>
             </a:fld>
             <a:endParaRPr kumimoji="1" lang="zh-CN" altLang="en-US"/>
           </a:p>
@@ -4453,7 +4453,7 @@
             </a:pPr>
             <a:fld id="{E4551058-E5DB-324A-A8E9-6D3BEF243C3B}" type="datetimeFigureOut">
               <a:rPr kumimoji="1" lang="zh-CN" altLang="en-US" smtClean="0"/>
-              <a:t>2026/1/5</a:t>
+              <a:t>2026/1/18</a:t>
             </a:fld>
             <a:endParaRPr kumimoji="1" lang="zh-CN" altLang="en-US"/>
           </a:p>
@@ -4957,7 +4957,7 @@
                   <a:solidFill/>
                 </a:defRPr>
               </a:pPr>
-              <a:t>2026/1/5</a:t>
+              <a:t>2026/1/18</a:t>
             </a:fld>
             <a:endParaRPr kumimoji="1" lang="zh-CN" altLang="en-US" dirty="0"/>
           </a:p>
@@ -5333,7 +5333,7 @@
                   <a:solidFill/>
                 </a:defRPr>
               </a:pPr>
-              <a:t>2026/1/5</a:t>
+              <a:t>2026/1/18</a:t>
             </a:fld>
             <a:endParaRPr kumimoji="1" lang="zh-CN" altLang="en-US" dirty="0"/>
           </a:p>
@@ -6362,7 +6362,7 @@
                 <a:solidFill/>
                 <a:hlinkClick r:id="rId2"/>
               </a:rPr>
-              <a:t>https://github.com/atomiechen/THU-PPT-Theme</a:t>
+              <a:t>https://github.com/LSTM-zhul/HUST-PPT</a:t>
             </a:r>
             <a:endParaRPr lang="en-US" altLang="zh-CN" dirty="0"/>
           </a:p>
@@ -6581,7 +6581,7 @@
               <a:rPr lang="zh-CN" altLang="en-US" dirty="0">
                 <a:solidFill/>
               </a:rPr>
-              <a:t>东五楼终于迎来了第一批在籍毕业生</a:t>
+              <a:t>东五楼又迎来了一批在籍毕业生</a:t>
             </a:r>
             <a:endParaRPr lang="en-US" altLang="zh-CN" dirty="0"/>
           </a:p>
@@ -6595,7 +6595,7 @@
               <a:rPr lang="zh-CN" altLang="en-US" dirty="0">
                 <a:solidFill/>
               </a:rPr>
-              <a:t>扫地机科学与技术</a:t>
+              <a:t>大模型 智能体</a:t>
             </a:r>
             <a:endParaRPr lang="en-US" altLang="zh-CN" dirty="0"/>
           </a:p>
@@ -6638,7 +6638,7 @@
                 <a:solidFill/>
                 <a:hlinkClick r:id="rId2"/>
               </a:rPr>
-              <a:t>https://github.com/atomiechen/THU-PPT-Theme</a:t>
+              <a:t>https://github.com/LSTM-zhul/HUST-PPT</a:t>
             </a:r>
             <a:endParaRPr lang="en-US" altLang="zh-CN" dirty="0"/>
           </a:p>
@@ -6754,8 +6754,35 @@
               <a:rPr lang="en" altLang="zh-CN" dirty="0">
                 <a:solidFill/>
               </a:rPr>
-              <a:t>Weihao CHEN from Xinya College</a:t>
-            </a:r>
+              <a:t>liang</a:t>
+            </a:r>
+            <a:r>
+              <a:rPr lang="zh-CN" altLang="en-US" dirty="0">
+                <a:solidFill/>
+              </a:rPr>
+              <a:t> </a:t>
+            </a:r>
+            <a:r>
+              <a:rPr lang="en-US" altLang="zh-CN" dirty="0" err="1">
+                <a:solidFill/>
+              </a:rPr>
+              <a:t>zhu</a:t>
+            </a:r>
+            <a:r>
+              <a:rPr lang="zh-CN" altLang="en-US" dirty="0">
+                <a:solidFill/>
+              </a:rPr>
+              <a:t> </a:t>
+            </a:r>
+            <a:r>
+              <a:rPr lang="en" altLang="zh-CN">
+                <a:solidFill/>
+              </a:rPr>
+              <a:t>from HUST</a:t>
+            </a:r>
+            <a:endParaRPr lang="en" altLang="zh-CN" dirty="0">
+              <a:solidFill/>
+            </a:endParaRPr>
           </a:p>
           <a:p>
             <a:pPr>
@@ -6767,7 +6794,7 @@
               <a:rPr lang="en-US" altLang="zh-CN" dirty="0">
                 <a:solidFill/>
               </a:rPr>
-              <a:t>Sweeper</a:t>
+              <a:t>LLM</a:t>
             </a:r>
             <a:r>
               <a:rPr lang="zh-CN" altLang="en-US" dirty="0">
@@ -6779,44 +6806,26 @@
               <a:rPr lang="en-US" altLang="zh-CN" dirty="0">
                 <a:solidFill/>
               </a:rPr>
-              <a:t>Science</a:t>
-            </a:r>
-            <a:r>
-              <a:rPr lang="zh-CN" altLang="en-US" dirty="0">
-                <a:solidFill/>
-              </a:rPr>
-              <a:t> </a:t>
-            </a:r>
-            <a:r>
-              <a:rPr lang="en-US" altLang="zh-CN" dirty="0">
-                <a:solidFill/>
-              </a:rPr>
-              <a:t>and</a:t>
-            </a:r>
-            <a:r>
-              <a:rPr lang="zh-CN" altLang="en-US" dirty="0">
-                <a:solidFill/>
-              </a:rPr>
-              <a:t> </a:t>
-            </a:r>
-            <a:r>
-              <a:rPr lang="en-US" altLang="zh-CN" dirty="0">
-                <a:solidFill/>
-              </a:rPr>
-              <a:t>Technology</a:t>
-            </a:r>
-          </a:p>
-          <a:p>
-            <a:pPr>
-              <a:defRPr>
-                <a:solidFill/>
-              </a:defRPr>
-            </a:pPr>
-            <a:r>
-              <a:rPr lang="zh-CN" altLang="en-US" dirty="0">
-                <a:solidFill/>
-              </a:rPr>
-              <a:t>朱亮做了一个清净的主题模板</a:t>
+              <a:t>agent</a:t>
+            </a:r>
+          </a:p>
+          <a:p>
+            <a:pPr>
+              <a:defRPr>
+                <a:solidFill/>
+              </a:defRPr>
+            </a:pPr>
+            <a:r>
+              <a:rPr lang="en-US" altLang="zh-CN" dirty="0" err="1">
+                <a:solidFill/>
+              </a:rPr>
+              <a:t>zhul</a:t>
+            </a:r>
+            <a:r>
+              <a:rPr lang="zh-CN" altLang="en-US" dirty="0">
+                <a:solidFill/>
+              </a:rPr>
+              <a:t>做了一个清净的主题模板</a:t>
             </a:r>
             <a:endParaRPr lang="en-US" altLang="zh-CN" dirty="0"/>
           </a:p>
@@ -6928,7 +6937,7 @@
               <a:rPr lang="zh-CN" altLang="en-US" dirty="0">
                 <a:solidFill/>
               </a:rPr>
-              <a:t>艾敝舍</a:t>
+              <a:t>紫菘舍</a:t>
             </a:r>
           </a:p>
         </p:txBody>
@@ -7055,39 +7064,6 @@
           </a:p>
         </p:txBody>
       </p:sp>
-      <p:pic>
-        <p:nvPicPr>
-          <p:cNvPr id="8" name="图片 7">
-            <a:extLst>
-              <a:ext uri="{FF2B5EF4-FFF2-40B4-BE49-F238E27FC236}">
-                <a16:creationId xmlns:a16="http://schemas.microsoft.com/office/drawing/2014/main" id="{12DDA9B2-5DD5-D24F-986E-9CCBA9C3D089}"/>
-              </a:ext>
-            </a:extLst>
-          </p:cNvPr>
-          <p:cNvPicPr>
-            <a:picLocks noChangeAspect="1"/>
-          </p:cNvPicPr>
-          <p:nvPr/>
-        </p:nvPicPr>
-        <p:blipFill>
-          <a:blip r:embed="rId3"/>
-          <a:stretch>
-            <a:fillRect/>
-          </a:stretch>
-        </p:blipFill>
-        <p:spPr>
-          <a:xfrm>
-            <a:off x="1498600" y="903288"/>
-            <a:ext cx="6146800" cy="3492500"/>
-          </a:xfrm>
-          <a:prstGeom prst="rect">
-            <a:avLst/>
-          </a:prstGeom>
-          <a:ln>
-            <a:solidFill/>
-          </a:ln>
-        </p:spPr>
-      </p:pic>
     </p:spTree>
     <p:extLst>
       <p:ext uri="{BB962C8B-B14F-4D97-AF65-F5344CB8AC3E}">
@@ -7504,7 +7480,7 @@
               <a:rPr lang="zh-CN" altLang="en-US" dirty="0">
                 <a:solidFill/>
               </a:rPr>
-              <a:t>扫地机科学与技术</a:t>
+              <a:t>异构多智能体协同</a:t>
             </a:r>
           </a:p>
         </p:txBody>
@@ -7628,9 +7604,11 @@
               <a:rPr lang="en-US" altLang="zh-CN" dirty="0" err="1">
                 <a:solidFill/>
               </a:rPr>
-              <a:t>Atomie</a:t>
-            </a:r>
-            <a:endParaRPr lang="en-US" altLang="zh-CN" dirty="0"/>
+              <a:t>zhu</a:t>
+            </a:r>
+            <a:endParaRPr lang="en-US" altLang="zh-CN" dirty="0">
+              <a:solidFill/>
+            </a:endParaRPr>
           </a:p>
           <a:p>
             <a:pPr>
